--- a/superweb.pptx
+++ b/superweb.pptx
@@ -110,6 +110,11 @@
       </a:defRPr>
     </a:lvl9pPr>
   </p:defaultTextStyle>
+  <p:extLst>
+    <p:ext uri="{EFAFB233-063F-42B5-8137-9DF3F51BA10A}">
+      <p15:sldGuideLst xmlns:p15="http://schemas.microsoft.com/office/powerpoint/2012/main"/>
+    </p:ext>
+  </p:extLst>
 </p:presentation>
 </file>
 
@@ -387,7 +392,7 @@
           <a:p>
             <a:fld id="{1414C246-D0B3-4870-B8DA-CCE26443B174}" type="datetimeFigureOut">
               <a:rPr lang="ru-RU" smtClean="0"/>
-              <a:t>27.04.2022</a:t>
+              <a:t>28.04.2022</a:t>
             </a:fld>
             <a:endParaRPr lang="ru-RU"/>
           </a:p>
@@ -801,7 +806,7 @@
           <a:p>
             <a:fld id="{1414C246-D0B3-4870-B8DA-CCE26443B174}" type="datetimeFigureOut">
               <a:rPr lang="ru-RU" smtClean="0"/>
-              <a:t>27.04.2022</a:t>
+              <a:t>28.04.2022</a:t>
             </a:fld>
             <a:endParaRPr lang="ru-RU"/>
           </a:p>
@@ -1137,7 +1142,7 @@
           <a:p>
             <a:fld id="{1414C246-D0B3-4870-B8DA-CCE26443B174}" type="datetimeFigureOut">
               <a:rPr lang="ru-RU" smtClean="0"/>
-              <a:t>27.04.2022</a:t>
+              <a:t>28.04.2022</a:t>
             </a:fld>
             <a:endParaRPr lang="ru-RU"/>
           </a:p>
@@ -1542,7 +1547,7 @@
           <a:p>
             <a:fld id="{1414C246-D0B3-4870-B8DA-CCE26443B174}" type="datetimeFigureOut">
               <a:rPr lang="ru-RU" smtClean="0"/>
-              <a:t>27.04.2022</a:t>
+              <a:t>28.04.2022</a:t>
             </a:fld>
             <a:endParaRPr lang="ru-RU"/>
           </a:p>
@@ -2110,7 +2115,7 @@
           <a:p>
             <a:fld id="{1414C246-D0B3-4870-B8DA-CCE26443B174}" type="datetimeFigureOut">
               <a:rPr lang="ru-RU" smtClean="0"/>
-              <a:t>27.04.2022</a:t>
+              <a:t>28.04.2022</a:t>
             </a:fld>
             <a:endParaRPr lang="ru-RU"/>
           </a:p>
@@ -2791,7 +2796,7 @@
           <a:p>
             <a:fld id="{1414C246-D0B3-4870-B8DA-CCE26443B174}" type="datetimeFigureOut">
               <a:rPr lang="ru-RU" smtClean="0"/>
-              <a:t>27.04.2022</a:t>
+              <a:t>28.04.2022</a:t>
             </a:fld>
             <a:endParaRPr lang="ru-RU"/>
           </a:p>
@@ -3704,7 +3709,7 @@
           <a:p>
             <a:fld id="{1414C246-D0B3-4870-B8DA-CCE26443B174}" type="datetimeFigureOut">
               <a:rPr lang="ru-RU" smtClean="0"/>
-              <a:t>27.04.2022</a:t>
+              <a:t>28.04.2022</a:t>
             </a:fld>
             <a:endParaRPr lang="ru-RU"/>
           </a:p>
@@ -4017,7 +4022,7 @@
           <a:p>
             <a:fld id="{1414C246-D0B3-4870-B8DA-CCE26443B174}" type="datetimeFigureOut">
               <a:rPr lang="ru-RU" smtClean="0"/>
-              <a:t>27.04.2022</a:t>
+              <a:t>28.04.2022</a:t>
             </a:fld>
             <a:endParaRPr lang="ru-RU"/>
           </a:p>
@@ -4281,7 +4286,7 @@
           <a:p>
             <a:fld id="{1414C246-D0B3-4870-B8DA-CCE26443B174}" type="datetimeFigureOut">
               <a:rPr lang="ru-RU" smtClean="0"/>
-              <a:t>27.04.2022</a:t>
+              <a:t>28.04.2022</a:t>
             </a:fld>
             <a:endParaRPr lang="ru-RU"/>
           </a:p>
@@ -4604,7 +4609,7 @@
           <a:p>
             <a:fld id="{1414C246-D0B3-4870-B8DA-CCE26443B174}" type="datetimeFigureOut">
               <a:rPr lang="ru-RU" smtClean="0"/>
-              <a:t>27.04.2022</a:t>
+              <a:t>28.04.2022</a:t>
             </a:fld>
             <a:endParaRPr lang="ru-RU"/>
           </a:p>
@@ -4993,7 +4998,7 @@
           <a:p>
             <a:fld id="{1414C246-D0B3-4870-B8DA-CCE26443B174}" type="datetimeFigureOut">
               <a:rPr lang="ru-RU" smtClean="0"/>
-              <a:t>27.04.2022</a:t>
+              <a:t>28.04.2022</a:t>
             </a:fld>
             <a:endParaRPr lang="ru-RU"/>
           </a:p>
@@ -5369,7 +5374,7 @@
           <a:p>
             <a:fld id="{1414C246-D0B3-4870-B8DA-CCE26443B174}" type="datetimeFigureOut">
               <a:rPr lang="ru-RU" smtClean="0"/>
-              <a:t>27.04.2022</a:t>
+              <a:t>28.04.2022</a:t>
             </a:fld>
             <a:endParaRPr lang="ru-RU"/>
           </a:p>
@@ -5875,7 +5880,7 @@
           <a:p>
             <a:fld id="{1414C246-D0B3-4870-B8DA-CCE26443B174}" type="datetimeFigureOut">
               <a:rPr lang="ru-RU" smtClean="0"/>
-              <a:t>27.04.2022</a:t>
+              <a:t>28.04.2022</a:t>
             </a:fld>
             <a:endParaRPr lang="ru-RU"/>
           </a:p>
@@ -6132,7 +6137,7 @@
           <a:p>
             <a:fld id="{1414C246-D0B3-4870-B8DA-CCE26443B174}" type="datetimeFigureOut">
               <a:rPr lang="ru-RU" smtClean="0"/>
-              <a:t>27.04.2022</a:t>
+              <a:t>28.04.2022</a:t>
             </a:fld>
             <a:endParaRPr lang="ru-RU"/>
           </a:p>
@@ -6295,7 +6300,7 @@
           <a:p>
             <a:fld id="{1414C246-D0B3-4870-B8DA-CCE26443B174}" type="datetimeFigureOut">
               <a:rPr lang="ru-RU" smtClean="0"/>
-              <a:t>27.04.2022</a:t>
+              <a:t>28.04.2022</a:t>
             </a:fld>
             <a:endParaRPr lang="ru-RU"/>
           </a:p>
@@ -6685,7 +6690,7 @@
           <a:p>
             <a:fld id="{1414C246-D0B3-4870-B8DA-CCE26443B174}" type="datetimeFigureOut">
               <a:rPr lang="ru-RU" smtClean="0"/>
-              <a:t>27.04.2022</a:t>
+              <a:t>28.04.2022</a:t>
             </a:fld>
             <a:endParaRPr lang="ru-RU"/>
           </a:p>
@@ -7094,7 +7099,7 @@
           <a:p>
             <a:fld id="{1414C246-D0B3-4870-B8DA-CCE26443B174}" type="datetimeFigureOut">
               <a:rPr lang="ru-RU" smtClean="0"/>
-              <a:t>27.04.2022</a:t>
+              <a:t>28.04.2022</a:t>
             </a:fld>
             <a:endParaRPr lang="ru-RU"/>
           </a:p>
@@ -7338,7 +7343,7 @@
           <a:p>
             <a:fld id="{1414C246-D0B3-4870-B8DA-CCE26443B174}" type="datetimeFigureOut">
               <a:rPr lang="ru-RU" smtClean="0"/>
-              <a:t>27.04.2022</a:t>
+              <a:t>28.04.2022</a:t>
             </a:fld>
             <a:endParaRPr lang="ru-RU"/>
           </a:p>
@@ -7807,36 +7812,85 @@
           <a:chExt cx="0" cy="0"/>
         </a:xfrm>
       </p:grpSpPr>
-      <p:pic>
-        <p:nvPicPr>
-          <p:cNvPr id="4" name="Рисунок 3">
+      <p:grpSp>
+        <p:nvGrpSpPr>
+          <p:cNvPr id="2" name="Группа 1">
             <a:extLst>
               <a:ext uri="{FF2B5EF4-FFF2-40B4-BE49-F238E27FC236}">
-                <a16:creationId xmlns:a16="http://schemas.microsoft.com/office/drawing/2014/main" id="{225DC331-DFAF-4DA3-8ED9-72DA432DE1D5}"/>
+                <a16:creationId xmlns:a16="http://schemas.microsoft.com/office/drawing/2014/main" id="{B49B80A6-61FA-4AF8-B648-270D696A45DF}"/>
               </a:ext>
             </a:extLst>
           </p:cNvPr>
-          <p:cNvPicPr>
-            <a:picLocks noChangeAspect="1"/>
-          </p:cNvPicPr>
+          <p:cNvGrpSpPr/>
           <p:nvPr/>
-        </p:nvPicPr>
-        <p:blipFill>
-          <a:blip r:embed="rId2"/>
-          <a:stretch>
-            <a:fillRect/>
-          </a:stretch>
-        </p:blipFill>
-        <p:spPr>
-          <a:xfrm>
-            <a:off x="365760" y="551867"/>
-            <a:ext cx="11460480" cy="5754266"/>
-          </a:xfrm>
-          <a:prstGeom prst="rect">
-            <a:avLst/>
-          </a:prstGeom>
-        </p:spPr>
-      </p:pic>
+        </p:nvGrpSpPr>
+        <p:grpSpPr>
+          <a:xfrm>
+            <a:off x="259410" y="1320801"/>
+            <a:ext cx="11460480" cy="4995241"/>
+            <a:chOff x="491639" y="798286"/>
+            <a:chExt cx="11460480" cy="4995241"/>
+          </a:xfrm>
+        </p:grpSpPr>
+        <p:pic>
+          <p:nvPicPr>
+            <p:cNvPr id="4" name="Рисунок 3">
+              <a:extLst>
+                <a:ext uri="{FF2B5EF4-FFF2-40B4-BE49-F238E27FC236}">
+                  <a16:creationId xmlns:a16="http://schemas.microsoft.com/office/drawing/2014/main" id="{225DC331-DFAF-4DA3-8ED9-72DA432DE1D5}"/>
+                </a:ext>
+              </a:extLst>
+            </p:cNvPr>
+            <p:cNvPicPr>
+              <a:picLocks noChangeAspect="1"/>
+            </p:cNvPicPr>
+            <p:nvPr/>
+          </p:nvPicPr>
+          <p:blipFill rotWithShape="1">
+            <a:blip r:embed="rId2"/>
+            <a:srcRect t="416" b="91610"/>
+            <a:stretch/>
+          </p:blipFill>
+          <p:spPr>
+            <a:xfrm>
+              <a:off x="491639" y="798286"/>
+              <a:ext cx="11460480" cy="458855"/>
+            </a:xfrm>
+            <a:prstGeom prst="rect">
+              <a:avLst/>
+            </a:prstGeom>
+          </p:spPr>
+        </p:pic>
+        <p:pic>
+          <p:nvPicPr>
+            <p:cNvPr id="3" name="Рисунок 2">
+              <a:extLst>
+                <a:ext uri="{FF2B5EF4-FFF2-40B4-BE49-F238E27FC236}">
+                  <a16:creationId xmlns:a16="http://schemas.microsoft.com/office/drawing/2014/main" id="{C8150328-B857-4441-AEA1-FA244AFE53F3}"/>
+                </a:ext>
+              </a:extLst>
+            </p:cNvPr>
+            <p:cNvPicPr>
+              <a:picLocks noChangeAspect="1"/>
+            </p:cNvPicPr>
+            <p:nvPr/>
+          </p:nvPicPr>
+          <p:blipFill rotWithShape="1">
+            <a:blip r:embed="rId2"/>
+            <a:srcRect t="21165" b="-1"/>
+            <a:stretch/>
+          </p:blipFill>
+          <p:spPr>
+            <a:xfrm>
+              <a:off x="491639" y="1257141"/>
+              <a:ext cx="11460480" cy="4536386"/>
+            </a:xfrm>
+            <a:prstGeom prst="rect">
+              <a:avLst/>
+            </a:prstGeom>
+          </p:spPr>
+        </p:pic>
+      </p:grpSp>
     </p:spTree>
     <p:extLst>
       <p:ext uri="{BB962C8B-B14F-4D97-AF65-F5344CB8AC3E}">
